--- a/转正答辩.pptx
+++ b/转正答辩.pptx
@@ -5,10 +5,10 @@
     <p:sldMasterId id="2147483648" r:id="rId1"/>
   </p:sldMasterIdLst>
   <p:notesMasterIdLst>
-    <p:notesMasterId r:id="rId10"/>
+    <p:notesMasterId r:id="rId9"/>
   </p:notesMasterIdLst>
   <p:handoutMasterIdLst>
-    <p:handoutMasterId r:id="rId11"/>
+    <p:handoutMasterId r:id="rId10"/>
   </p:handoutMasterIdLst>
   <p:sldIdLst>
     <p:sldId id="256" r:id="rId2"/>
@@ -17,8 +17,7 @@
     <p:sldId id="398" r:id="rId5"/>
     <p:sldId id="397" r:id="rId6"/>
     <p:sldId id="399" r:id="rId7"/>
-    <p:sldId id="396" r:id="rId8"/>
-    <p:sldId id="393" r:id="rId9"/>
+    <p:sldId id="393" r:id="rId8"/>
   </p:sldIdLst>
   <p:sldSz cx="12195175" cy="6859588"/>
   <p:notesSz cx="6858000" cy="9144000"/>
@@ -128,7 +127,6 @@
             <p14:sldId id="398"/>
             <p14:sldId id="397"/>
             <p14:sldId id="399"/>
-            <p14:sldId id="396"/>
             <p14:sldId id="393"/>
           </p14:sldIdLst>
         </p14:section>
@@ -368,7 +366,7 @@
             <a:fld id="{6FF80BA0-643C-43CD-A72D-C6D9CD3DBC13}" type="datetimeFigureOut">
               <a:rPr lang="zh-CN" altLang="en-US" smtClean="0"/>
               <a:pPr/>
-              <a:t>2019/12/24</a:t>
+              <a:t>2019/12/25</a:t>
             </a:fld>
             <a:endParaRPr lang="zh-CN" altLang="en-US"/>
           </a:p>
@@ -2968,7 +2966,7 @@
         <p:spPr>
           <a:xfrm>
             <a:off x="1417067" y="1197546"/>
-            <a:ext cx="8496944" cy="3785652"/>
+            <a:ext cx="8496944" cy="4154984"/>
           </a:xfrm>
           <a:prstGeom prst="rect">
             <a:avLst/>
@@ -2997,6 +2995,17 @@
           <a:p>
             <a:r>
               <a:rPr lang="zh-CN" altLang="en-US" dirty="0"/>
+              <a:t>链：</a:t>
+            </a:r>
+            <a:r>
+              <a:rPr lang="en-US" altLang="zh-CN" dirty="0" err="1"/>
+              <a:t>platone</a:t>
+            </a:r>
+            <a:endParaRPr lang="en-US" altLang="zh-CN" dirty="0"/>
+          </a:p>
+          <a:p>
+            <a:r>
+              <a:rPr lang="zh-CN" altLang="en-US" dirty="0"/>
               <a:t>行业应用：</a:t>
             </a:r>
             <a:r>
@@ -3078,8 +3087,12 @@
               <a:t>验收环境加入</a:t>
             </a:r>
             <a:r>
+              <a:rPr lang="en-US" altLang="zh-CN" dirty="0" err="1"/>
+              <a:t>traefik</a:t>
+            </a:r>
+            <a:r>
               <a:rPr lang="en-US" altLang="zh-CN" dirty="0"/>
-              <a:t>ingress</a:t>
+              <a:t>-ingress</a:t>
             </a:r>
           </a:p>
           <a:p>
@@ -3149,8 +3162,8 @@
         </p:nvSpPr>
         <p:spPr>
           <a:xfrm>
-            <a:off x="1489075" y="1197546"/>
-            <a:ext cx="4680520" cy="2308324"/>
+            <a:off x="1741103" y="1269554"/>
+            <a:ext cx="8712968" cy="3046988"/>
           </a:xfrm>
           <a:prstGeom prst="rect">
             <a:avLst/>
@@ -3164,70 +3177,69 @@
           <a:lstStyle/>
           <a:p>
             <a:r>
-              <a:rPr lang="zh-CN" altLang="en-US" dirty="0"/>
-              <a:t>转正述职报告框架</a:t>
-            </a:r>
-            <a:br>
-              <a:rPr lang="en-US" altLang="zh-CN" dirty="0"/>
-            </a:br>
-            <a:r>
-              <a:rPr lang="en-US" altLang="zh-CN" dirty="0"/>
-              <a:t>1</a:t>
-            </a:r>
-            <a:r>
-              <a:rPr lang="zh-CN" altLang="en-US" dirty="0"/>
-              <a:t>、工作回顾（工作职责及业绩）</a:t>
-            </a:r>
-            <a:endParaRPr lang="en-US" altLang="zh-CN" dirty="0"/>
-          </a:p>
-          <a:p>
-            <a:r>
               <a:rPr lang="en-US" altLang="zh-CN" dirty="0"/>
               <a:t>2</a:t>
             </a:r>
             <a:r>
               <a:rPr lang="zh-CN" altLang="en-US" dirty="0"/>
-              <a:t>、工作建议（本职位</a:t>
+              <a:t>、工作建议</a:t>
+            </a:r>
+            <a:endParaRPr lang="en-US" altLang="zh-CN" dirty="0"/>
+          </a:p>
+          <a:p>
+            <a:endParaRPr lang="en-US" altLang="zh-CN" dirty="0"/>
+          </a:p>
+          <a:p>
+            <a:endParaRPr lang="en-US" altLang="zh-CN" dirty="0"/>
+          </a:p>
+          <a:p>
+            <a:r>
+              <a:rPr lang="zh-CN" altLang="en-US" dirty="0"/>
+              <a:t>统一、规范</a:t>
             </a:r>
             <a:r>
               <a:rPr lang="en-US" altLang="zh-CN" dirty="0"/>
-              <a:t>or</a:t>
+              <a:t>pod</a:t>
             </a:r>
             <a:r>
               <a:rPr lang="zh-CN" altLang="en-US" dirty="0"/>
-              <a:t>部门）</a:t>
+              <a:t>、</a:t>
+            </a:r>
+            <a:r>
+              <a:rPr lang="en-US" altLang="zh-CN" dirty="0"/>
+              <a:t>svc</a:t>
+            </a:r>
+            <a:r>
+              <a:rPr lang="zh-CN" altLang="en-US" dirty="0"/>
+              <a:t>的端口号；</a:t>
             </a:r>
             <a:endParaRPr lang="en-US" altLang="zh-CN" dirty="0"/>
           </a:p>
           <a:p>
+            <a:endParaRPr lang="en-US" altLang="zh-CN" dirty="0"/>
+          </a:p>
+          <a:p>
+            <a:r>
+              <a:rPr lang="zh-CN" altLang="en-US" dirty="0"/>
+              <a:t>统一、规范行业应用存储路径与命名规则；</a:t>
+            </a:r>
+            <a:endParaRPr lang="en-US" altLang="zh-CN" dirty="0"/>
+          </a:p>
+          <a:p>
+            <a:endParaRPr lang="en-US" altLang="zh-CN" dirty="0"/>
+          </a:p>
+          <a:p>
+            <a:r>
+              <a:rPr lang="zh-CN" altLang="en-US" dirty="0"/>
+              <a:t>及时更新</a:t>
+            </a:r>
             <a:r>
               <a:rPr lang="en-US" altLang="zh-CN" dirty="0"/>
-              <a:t>3</a:t>
+              <a:t>wiki</a:t>
             </a:r>
             <a:r>
               <a:rPr lang="zh-CN" altLang="en-US" dirty="0"/>
-              <a:t>、后续提升改善计划</a:t>
-            </a:r>
-          </a:p>
-          <a:p>
-            <a:r>
-              <a:rPr lang="en-US" altLang="zh-CN" dirty="0"/>
-              <a:t>4</a:t>
-            </a:r>
-            <a:r>
-              <a:rPr lang="zh-CN" altLang="en-US" dirty="0"/>
-              <a:t>、个人优劣势</a:t>
-            </a:r>
-            <a:endParaRPr lang="en-US" altLang="zh-CN" dirty="0"/>
-          </a:p>
-          <a:p>
-            <a:r>
-              <a:rPr lang="en-US" altLang="zh-CN" dirty="0"/>
-              <a:t>5</a:t>
-            </a:r>
-            <a:r>
-              <a:rPr lang="zh-CN" altLang="en-US" dirty="0"/>
-              <a:t>、职业规划</a:t>
+              <a:t>文档。</a:t>
             </a:r>
           </a:p>
         </p:txBody>
@@ -3277,7 +3289,7 @@
         <p:spPr>
           <a:xfrm>
             <a:off x="1489075" y="1197546"/>
-            <a:ext cx="4680520" cy="2308324"/>
+            <a:ext cx="4680520" cy="1569660"/>
           </a:xfrm>
           <a:prstGeom prst="rect">
             <a:avLst/>
@@ -3291,43 +3303,6 @@
           <a:lstStyle/>
           <a:p>
             <a:r>
-              <a:rPr lang="zh-CN" altLang="en-US" dirty="0"/>
-              <a:t>转正述职报告框架</a:t>
-            </a:r>
-            <a:br>
-              <a:rPr lang="en-US" altLang="zh-CN" dirty="0"/>
-            </a:br>
-            <a:r>
-              <a:rPr lang="en-US" altLang="zh-CN" dirty="0"/>
-              <a:t>1</a:t>
-            </a:r>
-            <a:r>
-              <a:rPr lang="zh-CN" altLang="en-US" dirty="0"/>
-              <a:t>、工作回顾（工作职责及业绩）</a:t>
-            </a:r>
-            <a:endParaRPr lang="en-US" altLang="zh-CN" dirty="0"/>
-          </a:p>
-          <a:p>
-            <a:r>
-              <a:rPr lang="en-US" altLang="zh-CN" dirty="0"/>
-              <a:t>2</a:t>
-            </a:r>
-            <a:r>
-              <a:rPr lang="zh-CN" altLang="en-US" dirty="0"/>
-              <a:t>、工作建议（本职位</a:t>
-            </a:r>
-            <a:r>
-              <a:rPr lang="en-US" altLang="zh-CN" dirty="0"/>
-              <a:t>or</a:t>
-            </a:r>
-            <a:r>
-              <a:rPr lang="zh-CN" altLang="en-US" dirty="0"/>
-              <a:t>部门）</a:t>
-            </a:r>
-            <a:endParaRPr lang="en-US" altLang="zh-CN" dirty="0"/>
-          </a:p>
-          <a:p>
-            <a:r>
               <a:rPr lang="en-US" altLang="zh-CN" dirty="0"/>
               <a:t>3</a:t>
             </a:r>
@@ -3337,25 +3312,13 @@
             </a:r>
           </a:p>
           <a:p>
-            <a:r>
-              <a:rPr lang="en-US" altLang="zh-CN" dirty="0"/>
-              <a:t>4</a:t>
-            </a:r>
-            <a:r>
-              <a:rPr lang="zh-CN" altLang="en-US" dirty="0"/>
-              <a:t>、个人优劣势</a:t>
-            </a:r>
             <a:endParaRPr lang="en-US" altLang="zh-CN" dirty="0"/>
           </a:p>
           <a:p>
-            <a:r>
-              <a:rPr lang="en-US" altLang="zh-CN" dirty="0"/>
-              <a:t>5</a:t>
-            </a:r>
-            <a:r>
-              <a:rPr lang="zh-CN" altLang="en-US" dirty="0"/>
-              <a:t>、职业规划</a:t>
-            </a:r>
+            <a:endParaRPr lang="en-US" altLang="zh-CN" dirty="0"/>
+          </a:p>
+          <a:p>
+            <a:endParaRPr lang="en-US" altLang="zh-CN" dirty="0"/>
           </a:p>
         </p:txBody>
       </p:sp>
@@ -3531,7 +3494,7 @@
         <p:spPr>
           <a:xfrm>
             <a:off x="1489075" y="1197546"/>
-            <a:ext cx="4680520" cy="2308324"/>
+            <a:ext cx="7992888" cy="2308324"/>
           </a:xfrm>
           <a:prstGeom prst="rect">
             <a:avLst/>
@@ -3545,64 +3508,6 @@
           <a:lstStyle/>
           <a:p>
             <a:r>
-              <a:rPr lang="zh-CN" altLang="en-US" dirty="0"/>
-              <a:t>转正述职报告框架</a:t>
-            </a:r>
-            <a:br>
-              <a:rPr lang="en-US" altLang="zh-CN" dirty="0"/>
-            </a:br>
-            <a:r>
-              <a:rPr lang="en-US" altLang="zh-CN" dirty="0"/>
-              <a:t>1</a:t>
-            </a:r>
-            <a:r>
-              <a:rPr lang="zh-CN" altLang="en-US" dirty="0"/>
-              <a:t>、工作回顾（工作职责及业绩）</a:t>
-            </a:r>
-            <a:endParaRPr lang="en-US" altLang="zh-CN" dirty="0"/>
-          </a:p>
-          <a:p>
-            <a:r>
-              <a:rPr lang="en-US" altLang="zh-CN" dirty="0"/>
-              <a:t>2</a:t>
-            </a:r>
-            <a:r>
-              <a:rPr lang="zh-CN" altLang="en-US" dirty="0"/>
-              <a:t>、工作建议（本职位</a:t>
-            </a:r>
-            <a:r>
-              <a:rPr lang="en-US" altLang="zh-CN" dirty="0"/>
-              <a:t>or</a:t>
-            </a:r>
-            <a:r>
-              <a:rPr lang="zh-CN" altLang="en-US" dirty="0"/>
-              <a:t>部门）</a:t>
-            </a:r>
-            <a:endParaRPr lang="en-US" altLang="zh-CN" dirty="0"/>
-          </a:p>
-          <a:p>
-            <a:r>
-              <a:rPr lang="en-US" altLang="zh-CN" dirty="0"/>
-              <a:t>3</a:t>
-            </a:r>
-            <a:r>
-              <a:rPr lang="zh-CN" altLang="en-US" dirty="0"/>
-              <a:t>、后续提升改善计划</a:t>
-            </a:r>
-          </a:p>
-          <a:p>
-            <a:r>
-              <a:rPr lang="en-US" altLang="zh-CN" dirty="0"/>
-              <a:t>4</a:t>
-            </a:r>
-            <a:r>
-              <a:rPr lang="zh-CN" altLang="en-US" dirty="0"/>
-              <a:t>、个人优劣势</a:t>
-            </a:r>
-            <a:endParaRPr lang="en-US" altLang="zh-CN" dirty="0"/>
-          </a:p>
-          <a:p>
-            <a:r>
               <a:rPr lang="en-US" altLang="zh-CN" dirty="0"/>
               <a:t>5</a:t>
             </a:r>
@@ -3610,6 +3515,61 @@
               <a:rPr lang="zh-CN" altLang="en-US" dirty="0"/>
               <a:t>、职业规划</a:t>
             </a:r>
+            <a:endParaRPr lang="en-US" altLang="zh-CN" dirty="0"/>
+          </a:p>
+          <a:p>
+            <a:endParaRPr lang="en-US" altLang="zh-CN" dirty="0"/>
+          </a:p>
+          <a:p>
+            <a:endParaRPr lang="en-US" altLang="zh-CN" dirty="0"/>
+          </a:p>
+          <a:p>
+            <a:r>
+              <a:rPr lang="zh-CN" altLang="en-US" dirty="0"/>
+              <a:t>中间件</a:t>
+            </a:r>
+            <a:r>
+              <a:rPr lang="en-US" altLang="zh-CN" dirty="0" err="1"/>
+              <a:t>redis</a:t>
+            </a:r>
+            <a:r>
+              <a:rPr lang="zh-CN" altLang="en-US" dirty="0"/>
+              <a:t>、</a:t>
+            </a:r>
+            <a:r>
+              <a:rPr lang="en-US" altLang="zh-CN" dirty="0" err="1"/>
+              <a:t>kafka</a:t>
+            </a:r>
+            <a:r>
+              <a:rPr lang="zh-CN" altLang="en-US" dirty="0"/>
+              <a:t>、</a:t>
+            </a:r>
+            <a:r>
+              <a:rPr lang="en-US" altLang="zh-CN" dirty="0"/>
+              <a:t>zookeeper</a:t>
+            </a:r>
+          </a:p>
+          <a:p>
+            <a:endParaRPr lang="en-US" altLang="zh-CN" dirty="0"/>
+          </a:p>
+          <a:p>
+            <a:r>
+              <a:rPr lang="zh-CN" altLang="en-US" dirty="0"/>
+              <a:t>存储</a:t>
+            </a:r>
+            <a:r>
+              <a:rPr lang="en-US" altLang="zh-CN" dirty="0" err="1"/>
+              <a:t>ceph</a:t>
+            </a:r>
+            <a:r>
+              <a:rPr lang="zh-CN" altLang="en-US" dirty="0"/>
+              <a:t>、</a:t>
+            </a:r>
+            <a:r>
+              <a:rPr lang="en-US" altLang="zh-CN" dirty="0" err="1"/>
+              <a:t>glusterfs</a:t>
+            </a:r>
+            <a:endParaRPr lang="zh-CN" altLang="en-US" dirty="0"/>
           </a:p>
         </p:txBody>
       </p:sp>
@@ -3627,133 +3587,6 @@
 </file>
 
 <file path=ppt/slides/slide7.xml><?xml version="1.0" encoding="utf-8"?>
-<p:sld xmlns:a="http://schemas.openxmlformats.org/drawingml/2006/main" xmlns:r="http://schemas.openxmlformats.org/officeDocument/2006/relationships" xmlns:p="http://schemas.openxmlformats.org/presentationml/2006/main">
-  <p:cSld>
-    <p:spTree>
-      <p:nvGrpSpPr>
-        <p:cNvPr id="1" name=""/>
-        <p:cNvGrpSpPr/>
-        <p:nvPr/>
-      </p:nvGrpSpPr>
-      <p:grpSpPr>
-        <a:xfrm>
-          <a:off x="0" y="0"/>
-          <a:ext cx="0" cy="0"/>
-          <a:chOff x="0" y="0"/>
-          <a:chExt cx="0" cy="0"/>
-        </a:xfrm>
-      </p:grpSpPr>
-      <p:sp>
-        <p:nvSpPr>
-          <p:cNvPr id="2" name="文本框 1">
-            <a:extLst>
-              <a:ext uri="{FF2B5EF4-FFF2-40B4-BE49-F238E27FC236}">
-                <a16:creationId xmlns:a16="http://schemas.microsoft.com/office/drawing/2014/main" id="{3643BE1B-08ED-4178-ABA7-12B579759324}"/>
-              </a:ext>
-            </a:extLst>
-          </p:cNvPr>
-          <p:cNvSpPr txBox="1"/>
-          <p:nvPr/>
-        </p:nvSpPr>
-        <p:spPr>
-          <a:xfrm>
-            <a:off x="1489075" y="1197546"/>
-            <a:ext cx="4680520" cy="2308324"/>
-          </a:xfrm>
-          <a:prstGeom prst="rect">
-            <a:avLst/>
-          </a:prstGeom>
-          <a:noFill/>
-        </p:spPr>
-        <p:txBody>
-          <a:bodyPr wrap="square" rtlCol="0">
-            <a:spAutoFit/>
-          </a:bodyPr>
-          <a:lstStyle/>
-          <a:p>
-            <a:r>
-              <a:rPr lang="zh-CN" altLang="en-US" dirty="0"/>
-              <a:t>转正述职报告框架</a:t>
-            </a:r>
-            <a:br>
-              <a:rPr lang="en-US" altLang="zh-CN" dirty="0"/>
-            </a:br>
-            <a:r>
-              <a:rPr lang="en-US" altLang="zh-CN" dirty="0"/>
-              <a:t>1</a:t>
-            </a:r>
-            <a:r>
-              <a:rPr lang="zh-CN" altLang="en-US" dirty="0"/>
-              <a:t>、工作回顾（工作职责及业绩）</a:t>
-            </a:r>
-            <a:endParaRPr lang="en-US" altLang="zh-CN" dirty="0"/>
-          </a:p>
-          <a:p>
-            <a:r>
-              <a:rPr lang="en-US" altLang="zh-CN" dirty="0"/>
-              <a:t>2</a:t>
-            </a:r>
-            <a:r>
-              <a:rPr lang="zh-CN" altLang="en-US" dirty="0"/>
-              <a:t>、工作建议（本职位</a:t>
-            </a:r>
-            <a:r>
-              <a:rPr lang="en-US" altLang="zh-CN" dirty="0"/>
-              <a:t>or</a:t>
-            </a:r>
-            <a:r>
-              <a:rPr lang="zh-CN" altLang="en-US" dirty="0"/>
-              <a:t>部门）</a:t>
-            </a:r>
-            <a:endParaRPr lang="en-US" altLang="zh-CN" dirty="0"/>
-          </a:p>
-          <a:p>
-            <a:r>
-              <a:rPr lang="en-US" altLang="zh-CN" dirty="0"/>
-              <a:t>3</a:t>
-            </a:r>
-            <a:r>
-              <a:rPr lang="zh-CN" altLang="en-US" dirty="0"/>
-              <a:t>、后续提升改善计划</a:t>
-            </a:r>
-          </a:p>
-          <a:p>
-            <a:r>
-              <a:rPr lang="en-US" altLang="zh-CN" dirty="0"/>
-              <a:t>4</a:t>
-            </a:r>
-            <a:r>
-              <a:rPr lang="zh-CN" altLang="en-US" dirty="0"/>
-              <a:t>、个人优劣势</a:t>
-            </a:r>
-            <a:endParaRPr lang="en-US" altLang="zh-CN" dirty="0"/>
-          </a:p>
-          <a:p>
-            <a:r>
-              <a:rPr lang="en-US" altLang="zh-CN" dirty="0"/>
-              <a:t>5</a:t>
-            </a:r>
-            <a:r>
-              <a:rPr lang="zh-CN" altLang="en-US" dirty="0"/>
-              <a:t>、职业规划</a:t>
-            </a:r>
-          </a:p>
-        </p:txBody>
-      </p:sp>
-    </p:spTree>
-    <p:extLst>
-      <p:ext uri="{BB962C8B-B14F-4D97-AF65-F5344CB8AC3E}">
-        <p14:creationId xmlns:p14="http://schemas.microsoft.com/office/powerpoint/2010/main" val="559612676"/>
-      </p:ext>
-    </p:extLst>
-  </p:cSld>
-  <p:clrMapOvr>
-    <a:masterClrMapping/>
-  </p:clrMapOvr>
-</p:sld>
-</file>
-
-<file path=ppt/slides/slide8.xml><?xml version="1.0" encoding="utf-8"?>
 <p:sld xmlns:a="http://schemas.openxmlformats.org/drawingml/2006/main" xmlns:r="http://schemas.openxmlformats.org/officeDocument/2006/relationships" xmlns:p="http://schemas.openxmlformats.org/presentationml/2006/main">
   <p:cSld>
     <p:spTree>
